--- a/PPT/JS/10JavaScript Math对象.pptx
+++ b/PPT/JS/10JavaScript Math对象.pptx
@@ -114,6 +114,11 @@
       </a:defRPr>
     </a:lvl9pPr>
   </p:defaultTextStyle>
+  <p:extLst>
+    <p:ext uri="{505F2C04-C923-438B-8C0F-E0CD2BADF298}">
+      <wppc:fontMiss xmlns:wppc="http://www.wps.cn/officeDocument/PresentationCustomData" type="true"/>
+    </p:ext>
+  </p:extLst>
 </p:presentation>
 </file>
 
@@ -17632,7 +17637,7 @@
         <p:spPr>
           <a:xfrm>
             <a:off x="973455" y="1556385"/>
-            <a:ext cx="6259830" cy="368300"/>
+            <a:ext cx="6732905" cy="368300"/>
           </a:xfrm>
           <a:prstGeom prst="rect">
             <a:avLst/>
@@ -17650,17 +17655,17 @@
             </a:r>
             <a:r>
               <a:rPr lang="zh-CN" altLang="en-US"/>
-              <a:t>、点击button 启动定时器,每一秒</a:t>
+              <a:t>、点击button 启动定时器,每一秒给它换一次颜色（</a:t>
             </a:r>
             <a:r>
               <a:rPr lang="zh-CN" altLang="en-US">
                 <a:sym typeface="+mn-ea"/>
               </a:rPr>
-              <a:t>随机</a:t>
+              <a:t>随机颜色</a:t>
             </a:r>
             <a:r>
               <a:rPr lang="zh-CN" altLang="en-US"/>
-              <a:t>给它换一次颜色。</a:t>
+              <a:t>）。</a:t>
             </a:r>
             <a:endParaRPr lang="zh-CN" altLang="en-US"/>
           </a:p>
